--- a/smartlock_posterboard.pptx
+++ b/smartlock_posterboard.pptx
@@ -241,7 +241,7 @@
           <a:p>
             <a:fld id="{8E879674-D9E7-4B33-9FD1-83DFC0E5F942}" type="datetimeFigureOut">
               <a:rPr lang="en-US" smtClean="0"/>
-              <a:t>8/4/15</a:t>
+              <a:t>8/5/15</a:t>
             </a:fld>
             <a:endParaRPr lang="en-US"/>
           </a:p>
@@ -3928,10 +3928,6 @@
               <a:rPr lang="en-US" sz="5400" dirty="0" smtClean="0"/>
               <a:t>Smart Lock Android App</a:t>
             </a:r>
-            <a:r>
-              <a:rPr lang="en-US" sz="5400" dirty="0" smtClean="0"/>
-              <a:t/>
-            </a:r>
             <a:br>
               <a:rPr lang="en-US" sz="5400" dirty="0" smtClean="0"/>
             </a:br>
@@ -3951,10 +3947,6 @@
               <a:rPr lang="en-US" sz="2000" b="0" dirty="0"/>
               <a:t>)</a:t>
             </a:r>
-            <a:r>
-              <a:rPr lang="en-US" sz="2000" b="0" dirty="0"/>
-              <a:t/>
-            </a:r>
             <a:br>
               <a:rPr lang="en-US" sz="2000" b="0" dirty="0"/>
             </a:br>
@@ -3974,10 +3966,6 @@
               <a:rPr lang="en-US" sz="2000" b="0" dirty="0"/>
               <a:t>)</a:t>
             </a:r>
-            <a:r>
-              <a:rPr lang="en-US" sz="2000" b="0" dirty="0"/>
-              <a:t/>
-            </a:r>
             <a:br>
               <a:rPr lang="en-US" sz="2000" b="0" dirty="0"/>
             </a:br>
@@ -3996,10 +3984,6 @@
             <a:r>
               <a:rPr lang="en-US" sz="2000" b="0" dirty="0"/>
               <a:t>)</a:t>
-            </a:r>
-            <a:r>
-              <a:rPr lang="en-US" sz="2000" b="0" dirty="0"/>
-              <a:t/>
             </a:r>
             <a:br>
               <a:rPr lang="en-US" sz="2000" b="0" dirty="0"/>
@@ -4308,251 +4292,129 @@
           <a:bodyPr lIns="313435" tIns="156716" rIns="313435" bIns="156716"/>
           <a:lstStyle/>
           <a:p>
-            <a:pPr algn="l" defTabSz="3136211">
+            <a:pPr marL="514350" indent="-514350" algn="l" defTabSz="3136211">
               <a:spcBef>
                 <a:spcPct val="20000"/>
               </a:spcBef>
               <a:buClr>
                 <a:srgbClr val="CC0000"/>
               </a:buClr>
+              <a:buAutoNum type="arabicPeriod"/>
             </a:pPr>
             <a:r>
               <a:rPr lang="en-US" altLang="zh-CN" sz="3100" b="1" dirty="0" smtClean="0">
                 <a:latin typeface="Calibri"/>
                 <a:cs typeface="Calibri"/>
               </a:rPr>
-              <a:t>1.</a:t>
-            </a:r>
-            <a:r>
-              <a:rPr lang="zh-CN" altLang="en-US" sz="3100" b="1" dirty="0" smtClean="0">
+              <a:t>When we hand the smart lock to the sales, it would be a challenge to convince the customers that the smart lock is safer. </a:t>
+            </a:r>
+            <a:r>
+              <a:rPr lang="en-US" altLang="zh-CN" sz="3100" b="1" dirty="0" smtClean="0">
                 <a:latin typeface="Calibri"/>
                 <a:cs typeface="Calibri"/>
               </a:rPr>
-              <a:t> </a:t>
-            </a:r>
-            <a:r>
-              <a:rPr lang="en-US" sz="3100" b="1" dirty="0" smtClean="0">
-                <a:latin typeface="Calibri"/>
-                <a:cs typeface="Calibri"/>
-              </a:rPr>
-              <a:t>UI </a:t>
-            </a:r>
-            <a:r>
-              <a:rPr lang="en-US" sz="3100" b="1" dirty="0">
-                <a:latin typeface="Calibri"/>
-                <a:cs typeface="Calibri"/>
-              </a:rPr>
-              <a:t>design and </a:t>
-            </a:r>
-            <a:r>
-              <a:rPr lang="en-US" sz="3100" b="1" dirty="0" smtClean="0">
-                <a:latin typeface="Calibri"/>
-                <a:cs typeface="Calibri"/>
-              </a:rPr>
-              <a:t>Implementation. In </a:t>
-            </a:r>
-            <a:r>
-              <a:rPr lang="en-US" sz="3100" b="1" dirty="0">
-                <a:latin typeface="Calibri"/>
-                <a:cs typeface="Calibri"/>
-              </a:rPr>
-              <a:t>order to achieve an user-friendly UI, we used many beautiful pictures, complex android widgets and so many adjustments of details of the UI. We also used relative layout in most cases to make sure that our app can be used in 2 different resolution device</a:t>
-            </a:r>
-            <a:r>
-              <a:rPr lang="en-US" sz="3100" b="1" dirty="0" smtClean="0">
-                <a:latin typeface="Calibri"/>
-                <a:cs typeface="Calibri"/>
-              </a:rPr>
-              <a:t>.</a:t>
-            </a:r>
-            <a:endParaRPr lang="zh-CN" altLang="en-US" sz="3100" b="1" dirty="0" smtClean="0">
-              <a:latin typeface="Calibri"/>
-              <a:cs typeface="Calibri"/>
-            </a:endParaRPr>
-          </a:p>
-          <a:p>
-            <a:pPr algn="l" defTabSz="3136211">
+              <a:t>Customers may worry the lock would be hacked by somebody and get the access to their home.</a:t>
+            </a:r>
+          </a:p>
+          <a:p>
+            <a:pPr marL="514350" indent="-514350" algn="l" defTabSz="3136211">
               <a:spcBef>
                 <a:spcPct val="20000"/>
               </a:spcBef>
               <a:buClr>
                 <a:srgbClr val="CC0000"/>
               </a:buClr>
+              <a:buAutoNum type="arabicPeriod"/>
             </a:pPr>
             <a:r>
               <a:rPr lang="en-US" altLang="zh-CN" sz="3100" b="1" dirty="0" smtClean="0">
                 <a:latin typeface="Calibri"/>
                 <a:cs typeface="Calibri"/>
               </a:rPr>
-              <a:t>2.</a:t>
-            </a:r>
-            <a:r>
-              <a:rPr lang="zh-CN" altLang="en-US" sz="3100" b="1" dirty="0" smtClean="0">
-                <a:latin typeface="Calibri"/>
-                <a:cs typeface="Calibri"/>
-              </a:rPr>
-              <a:t> </a:t>
-            </a:r>
-            <a:r>
-              <a:rPr lang="en-US" sz="3100" b="1" dirty="0" smtClean="0">
-                <a:latin typeface="Calibri"/>
-                <a:cs typeface="Calibri"/>
-              </a:rPr>
-              <a:t>Implementations </a:t>
-            </a:r>
-            <a:r>
-              <a:rPr lang="en-US" sz="3100" b="1" dirty="0">
-                <a:latin typeface="Calibri"/>
-                <a:cs typeface="Calibri"/>
-              </a:rPr>
-              <a:t>of OOD and OOP in our </a:t>
-            </a:r>
-            <a:r>
-              <a:rPr lang="en-US" sz="3100" b="1" dirty="0" smtClean="0">
-                <a:latin typeface="Calibri"/>
-                <a:cs typeface="Calibri"/>
-              </a:rPr>
-              <a:t>App. We </a:t>
-            </a:r>
-            <a:r>
-              <a:rPr lang="en-US" sz="3100" b="1" dirty="0">
-                <a:latin typeface="Calibri"/>
-                <a:cs typeface="Calibri"/>
-              </a:rPr>
-              <a:t>applied the concepts of OOD and OOP into our project in purpose of making our project modularized. We divided the design of our project into different layers and used interfaces between different layers</a:t>
-            </a:r>
-            <a:r>
-              <a:rPr lang="en-US" sz="3100" b="1" dirty="0" smtClean="0">
-                <a:latin typeface="Calibri"/>
-                <a:cs typeface="Calibri"/>
-              </a:rPr>
-              <a:t>.</a:t>
-            </a:r>
-            <a:endParaRPr lang="zh-CN" altLang="en-US" sz="3100" b="1" dirty="0" smtClean="0">
-              <a:latin typeface="Calibri"/>
-              <a:cs typeface="Calibri"/>
-            </a:endParaRPr>
-          </a:p>
-          <a:p>
-            <a:pPr algn="l" defTabSz="3136211">
+              <a:t>There would be power issue. We the battery is not enough, the lock can’t be unlocked thoroughly which means it is still locked. A better way should be developed to watch the power of the battery and alert the users. </a:t>
+            </a:r>
+          </a:p>
+          <a:p>
+            <a:pPr marL="514350" indent="-514350" algn="l" defTabSz="3136211">
               <a:spcBef>
                 <a:spcPct val="20000"/>
               </a:spcBef>
               <a:buClr>
                 <a:srgbClr val="CC0000"/>
               </a:buClr>
+              <a:buAutoNum type="arabicPeriod"/>
             </a:pPr>
             <a:r>
-              <a:rPr lang="en-US" sz="3100" b="1" dirty="0" smtClean="0">
+              <a:rPr lang="en-US" altLang="zh-CN" sz="3100" b="1" dirty="0" smtClean="0">
                 <a:latin typeface="Calibri"/>
                 <a:cs typeface="Calibri"/>
               </a:rPr>
-              <a:t>3</a:t>
-            </a:r>
-            <a:r>
-              <a:rPr lang="en-US" sz="3100" b="1" dirty="0">
+              <a:t>Hardware design would also be a challenge. </a:t>
+            </a:r>
+            <a:r>
+              <a:rPr lang="en-US" altLang="zh-CN" sz="3100" b="1" dirty="0" smtClean="0">
                 <a:latin typeface="Calibri"/>
                 <a:cs typeface="Calibri"/>
               </a:rPr>
-              <a:t>. Designs of Database Schema and Server-Side Web </a:t>
-            </a:r>
-            <a:r>
-              <a:rPr lang="en-US" sz="3100" b="1" dirty="0" smtClean="0">
-                <a:latin typeface="Calibri"/>
-                <a:cs typeface="Calibri"/>
-              </a:rPr>
-              <a:t>project. There </a:t>
-            </a:r>
-            <a:r>
-              <a:rPr lang="en-US" sz="3100" b="1" dirty="0">
-                <a:latin typeface="Calibri"/>
-                <a:cs typeface="Calibri"/>
-              </a:rPr>
-              <a:t>is a relatively much more complicated relationship between the </a:t>
-            </a:r>
-            <a:r>
-              <a:rPr lang="en-US" sz="3100" b="1" dirty="0" smtClean="0">
-                <a:latin typeface="Calibri"/>
-                <a:cs typeface="Calibri"/>
-              </a:rPr>
-              <a:t>entities</a:t>
-            </a:r>
-            <a:r>
-              <a:rPr lang="en-US" sz="3100" b="1" dirty="0">
-                <a:latin typeface="Calibri"/>
-                <a:cs typeface="Calibri"/>
-              </a:rPr>
-              <a:t>. We have spent a lot of time on analyzing the relationships and processes of CRUD operations</a:t>
-            </a:r>
-            <a:r>
-              <a:rPr lang="en-US" sz="3100" b="1" dirty="0" smtClean="0">
-                <a:latin typeface="Calibri"/>
-                <a:cs typeface="Calibri"/>
-              </a:rPr>
-              <a:t>.</a:t>
-            </a:r>
-          </a:p>
-          <a:p>
-            <a:pPr algn="l" defTabSz="3136211">
+              <a:t>How to make the lock box fix the actual door, how to customize it and how to install it would all be a problem for our real product. </a:t>
+            </a:r>
+          </a:p>
+          <a:p>
+            <a:pPr marL="514350" indent="-514350" algn="l" defTabSz="3136211">
               <a:spcBef>
                 <a:spcPct val="20000"/>
               </a:spcBef>
               <a:buClr>
                 <a:srgbClr val="CC0000"/>
               </a:buClr>
+              <a:buAutoNum type="arabicPeriod"/>
             </a:pPr>
             <a:r>
-              <a:rPr lang="en-US" sz="3100" b="1" dirty="0" smtClean="0">
+              <a:rPr lang="en-US" altLang="zh-CN" sz="3100" b="1" dirty="0" smtClean="0">
                 <a:latin typeface="Calibri"/>
                 <a:cs typeface="Calibri"/>
               </a:rPr>
-              <a:t>4. Since out team members are in different places and impossible to meet, it’s hard to us to unify our parts, especially at the beginning our design is very rough. Later we redesigned the whole project in much more detail, </a:t>
-            </a:r>
-          </a:p>
-          <a:p>
-            <a:pPr algn="l" defTabSz="3136211">
+              <a:t>If one property has more than one lock, it would be a trouble for our design because we assume one property has only one lock. </a:t>
+            </a:r>
+            <a:r>
+              <a:rPr lang="en-US" altLang="zh-CN" sz="3100" b="1" dirty="0" smtClean="0">
+                <a:latin typeface="Calibri"/>
+                <a:cs typeface="Calibri"/>
+              </a:rPr>
+              <a:t>In this case, we would need to change the database design from one-to-one to one-to-many </a:t>
+            </a:r>
+            <a:r>
+              <a:rPr lang="en-US" altLang="zh-CN" sz="3100" b="1" dirty="0">
+                <a:latin typeface="Calibri"/>
+                <a:cs typeface="Calibri"/>
+              </a:rPr>
+              <a:t>relationship</a:t>
+            </a:r>
+            <a:r>
+              <a:rPr lang="en-US" altLang="zh-CN" sz="3100" b="1" dirty="0" smtClean="0">
+                <a:latin typeface="Calibri"/>
+                <a:cs typeface="Calibri"/>
+              </a:rPr>
+              <a:t> between property table and lock table.</a:t>
+            </a:r>
+          </a:p>
+          <a:p>
+            <a:pPr marL="514350" indent="-514350" algn="l" defTabSz="3136211">
               <a:spcBef>
                 <a:spcPct val="20000"/>
               </a:spcBef>
               <a:buClr>
                 <a:srgbClr val="CC0000"/>
               </a:buClr>
+              <a:buAutoNum type="arabicPeriod"/>
             </a:pPr>
             <a:r>
-              <a:rPr lang="en-US" sz="3100" b="1" dirty="0" smtClean="0">
+              <a:rPr lang="en-US" altLang="zh-CN" sz="3100" b="1" dirty="0" smtClean="0">
                 <a:latin typeface="Calibri"/>
                 <a:cs typeface="Calibri"/>
               </a:rPr>
-              <a:t>then we can follow the design and unify the whole project together. </a:t>
-            </a:r>
-          </a:p>
-          <a:p>
-            <a:pPr algn="l" defTabSz="3136211">
-              <a:spcBef>
-                <a:spcPct val="20000"/>
-              </a:spcBef>
-              <a:buClr>
-                <a:srgbClr val="CC0000"/>
-              </a:buClr>
-            </a:pPr>
-            <a:r>
-              <a:rPr lang="en-US" sz="3100" b="1" dirty="0" smtClean="0">
-                <a:latin typeface="Calibri"/>
-                <a:cs typeface="Calibri"/>
-              </a:rPr>
-              <a:t>5. Our database uses one-to-one, one-to-many and many-to-many relationships. </a:t>
-            </a:r>
-            <a:r>
-              <a:rPr lang="en-US" sz="3100" b="1" dirty="0" smtClean="0">
-                <a:latin typeface="Calibri"/>
-                <a:cs typeface="Calibri"/>
-              </a:rPr>
-              <a:t>The design of the database is not polished until we got some problems as our development go further. This caused us to change some design.</a:t>
-            </a:r>
-            <a:endParaRPr lang="en-US" sz="3100" b="1" dirty="0">
-              <a:latin typeface="Calibri"/>
-              <a:cs typeface="Calibri"/>
-            </a:endParaRPr>
+              <a:t>Safety is the biggest problem of the lock. How to encode the password and maintain the server database securely would need to be concerned, since currently we keep everything in database without encryption.  </a:t>
+            </a:r>
           </a:p>
         </p:txBody>
       </p:sp>
